--- a/Sem-1/RDBMS Theory/Unit-3/Day_14.pptx
+++ b/Sem-1/RDBMS Theory/Unit-3/Day_14.pptx
@@ -9,7 +9,6 @@
     <p:sldId id="257" r:id="rId3"/>
     <p:sldId id="258" r:id="rId4"/>
     <p:sldId id="259" r:id="rId5"/>
-    <p:sldId id="260" r:id="rId6"/>
   </p:sldIdLst>
   <p:sldSz cx="12192000" cy="6858000"/>
   <p:notesSz cx="6858000" cy="9144000"/>
@@ -108,6 +107,11 @@
       </a:defRPr>
     </a:lvl9pPr>
   </p:defaultTextStyle>
+  <p:extLst>
+    <p:ext uri="{EFAFB233-063F-42B5-8137-9DF3F51BA10A}">
+      <p15:sldGuideLst xmlns:p15="http://schemas.microsoft.com/office/powerpoint/2012/main"/>
+    </p:ext>
+  </p:extLst>
 </p:presentation>
 </file>
 
@@ -133,7 +137,7 @@
           <p:cNvPr id="2" name="Title 1">
             <a:extLst>
               <a:ext uri="{FF2B5EF4-FFF2-40B4-BE49-F238E27FC236}">
-                <a16:creationId xmlns:a16="http://schemas.microsoft.com/office/drawing/2014/main" id="{33F09B99-17AF-40BD-88B7-0D101781EE98}"/>
+                <a16:creationId xmlns:a16="http://schemas.microsoft.com/office/drawing/2014/main" xmlns="" id="{33F09B99-17AF-40BD-88B7-0D101781EE98}"/>
               </a:ext>
             </a:extLst>
           </p:cNvPr>
@@ -171,7 +175,7 @@
           <p:cNvPr id="3" name="Subtitle 2">
             <a:extLst>
               <a:ext uri="{FF2B5EF4-FFF2-40B4-BE49-F238E27FC236}">
-                <a16:creationId xmlns:a16="http://schemas.microsoft.com/office/drawing/2014/main" id="{811EE29C-FA49-4F62-85D0-71E5CC2907D7}"/>
+                <a16:creationId xmlns:a16="http://schemas.microsoft.com/office/drawing/2014/main" xmlns="" id="{811EE29C-FA49-4F62-85D0-71E5CC2907D7}"/>
               </a:ext>
             </a:extLst>
           </p:cNvPr>
@@ -242,7 +246,7 @@
           <p:cNvPr id="4" name="Date Placeholder 3">
             <a:extLst>
               <a:ext uri="{FF2B5EF4-FFF2-40B4-BE49-F238E27FC236}">
-                <a16:creationId xmlns:a16="http://schemas.microsoft.com/office/drawing/2014/main" id="{EE7AAB58-91A0-429A-8C84-D9FDBB515369}"/>
+                <a16:creationId xmlns:a16="http://schemas.microsoft.com/office/drawing/2014/main" xmlns="" id="{EE7AAB58-91A0-429A-8C84-D9FDBB515369}"/>
               </a:ext>
             </a:extLst>
           </p:cNvPr>
@@ -260,7 +264,7 @@
           <a:p>
             <a:fld id="{E69D778C-81F7-410C-A7F4-7ED7AC655196}" type="datetimeFigureOut">
               <a:rPr lang="en-IN" smtClean="0"/>
-              <a:t>10-12-2021</a:t>
+              <a:t>15-09-2025</a:t>
             </a:fld>
             <a:endParaRPr lang="en-IN"/>
           </a:p>
@@ -271,7 +275,7 @@
           <p:cNvPr id="5" name="Footer Placeholder 4">
             <a:extLst>
               <a:ext uri="{FF2B5EF4-FFF2-40B4-BE49-F238E27FC236}">
-                <a16:creationId xmlns:a16="http://schemas.microsoft.com/office/drawing/2014/main" id="{5178C30B-C47D-49AD-B22B-7DE54A5B4748}"/>
+                <a16:creationId xmlns:a16="http://schemas.microsoft.com/office/drawing/2014/main" xmlns="" id="{5178C30B-C47D-49AD-B22B-7DE54A5B4748}"/>
               </a:ext>
             </a:extLst>
           </p:cNvPr>
@@ -296,7 +300,7 @@
           <p:cNvPr id="6" name="Slide Number Placeholder 5">
             <a:extLst>
               <a:ext uri="{FF2B5EF4-FFF2-40B4-BE49-F238E27FC236}">
-                <a16:creationId xmlns:a16="http://schemas.microsoft.com/office/drawing/2014/main" id="{C8BAFE88-9203-46BA-A3BB-7C843C272708}"/>
+                <a16:creationId xmlns:a16="http://schemas.microsoft.com/office/drawing/2014/main" xmlns="" id="{C8BAFE88-9203-46BA-A3BB-7C843C272708}"/>
               </a:ext>
             </a:extLst>
           </p:cNvPr>
@@ -355,7 +359,7 @@
           <p:cNvPr id="2" name="Title 1">
             <a:extLst>
               <a:ext uri="{FF2B5EF4-FFF2-40B4-BE49-F238E27FC236}">
-                <a16:creationId xmlns:a16="http://schemas.microsoft.com/office/drawing/2014/main" id="{CC6829D7-8163-4717-8B68-5EB80E3C178F}"/>
+                <a16:creationId xmlns:a16="http://schemas.microsoft.com/office/drawing/2014/main" xmlns="" id="{CC6829D7-8163-4717-8B68-5EB80E3C178F}"/>
               </a:ext>
             </a:extLst>
           </p:cNvPr>
@@ -384,7 +388,7 @@
           <p:cNvPr id="3" name="Vertical Text Placeholder 2">
             <a:extLst>
               <a:ext uri="{FF2B5EF4-FFF2-40B4-BE49-F238E27FC236}">
-                <a16:creationId xmlns:a16="http://schemas.microsoft.com/office/drawing/2014/main" id="{2FE43578-C3CF-4F53-9F80-5A16895DF755}"/>
+                <a16:creationId xmlns:a16="http://schemas.microsoft.com/office/drawing/2014/main" xmlns="" id="{2FE43578-C3CF-4F53-9F80-5A16895DF755}"/>
               </a:ext>
             </a:extLst>
           </p:cNvPr>
@@ -442,7 +446,7 @@
           <p:cNvPr id="4" name="Date Placeholder 3">
             <a:extLst>
               <a:ext uri="{FF2B5EF4-FFF2-40B4-BE49-F238E27FC236}">
-                <a16:creationId xmlns:a16="http://schemas.microsoft.com/office/drawing/2014/main" id="{19C0A0E7-37A2-445C-875C-35EB5234FF98}"/>
+                <a16:creationId xmlns:a16="http://schemas.microsoft.com/office/drawing/2014/main" xmlns="" id="{19C0A0E7-37A2-445C-875C-35EB5234FF98}"/>
               </a:ext>
             </a:extLst>
           </p:cNvPr>
@@ -460,7 +464,7 @@
           <a:p>
             <a:fld id="{E69D778C-81F7-410C-A7F4-7ED7AC655196}" type="datetimeFigureOut">
               <a:rPr lang="en-IN" smtClean="0"/>
-              <a:t>10-12-2021</a:t>
+              <a:t>15-09-2025</a:t>
             </a:fld>
             <a:endParaRPr lang="en-IN"/>
           </a:p>
@@ -471,7 +475,7 @@
           <p:cNvPr id="5" name="Footer Placeholder 4">
             <a:extLst>
               <a:ext uri="{FF2B5EF4-FFF2-40B4-BE49-F238E27FC236}">
-                <a16:creationId xmlns:a16="http://schemas.microsoft.com/office/drawing/2014/main" id="{D8D380EC-1CD4-4457-A638-F7678D505762}"/>
+                <a16:creationId xmlns:a16="http://schemas.microsoft.com/office/drawing/2014/main" xmlns="" id="{D8D380EC-1CD4-4457-A638-F7678D505762}"/>
               </a:ext>
             </a:extLst>
           </p:cNvPr>
@@ -496,7 +500,7 @@
           <p:cNvPr id="6" name="Slide Number Placeholder 5">
             <a:extLst>
               <a:ext uri="{FF2B5EF4-FFF2-40B4-BE49-F238E27FC236}">
-                <a16:creationId xmlns:a16="http://schemas.microsoft.com/office/drawing/2014/main" id="{0B853010-1C1B-4551-9FA0-4B3C64AA2144}"/>
+                <a16:creationId xmlns:a16="http://schemas.microsoft.com/office/drawing/2014/main" xmlns="" id="{0B853010-1C1B-4551-9FA0-4B3C64AA2144}"/>
               </a:ext>
             </a:extLst>
           </p:cNvPr>
@@ -555,7 +559,7 @@
           <p:cNvPr id="2" name="Vertical Title 1">
             <a:extLst>
               <a:ext uri="{FF2B5EF4-FFF2-40B4-BE49-F238E27FC236}">
-                <a16:creationId xmlns:a16="http://schemas.microsoft.com/office/drawing/2014/main" id="{39F192F2-6C6B-48FB-B6EC-AD056B04C990}"/>
+                <a16:creationId xmlns:a16="http://schemas.microsoft.com/office/drawing/2014/main" xmlns="" id="{39F192F2-6C6B-48FB-B6EC-AD056B04C990}"/>
               </a:ext>
             </a:extLst>
           </p:cNvPr>
@@ -589,7 +593,7 @@
           <p:cNvPr id="3" name="Vertical Text Placeholder 2">
             <a:extLst>
               <a:ext uri="{FF2B5EF4-FFF2-40B4-BE49-F238E27FC236}">
-                <a16:creationId xmlns:a16="http://schemas.microsoft.com/office/drawing/2014/main" id="{95878D78-D511-4CB7-9E2A-F58C8C824347}"/>
+                <a16:creationId xmlns:a16="http://schemas.microsoft.com/office/drawing/2014/main" xmlns="" id="{95878D78-D511-4CB7-9E2A-F58C8C824347}"/>
               </a:ext>
             </a:extLst>
           </p:cNvPr>
@@ -652,7 +656,7 @@
           <p:cNvPr id="4" name="Date Placeholder 3">
             <a:extLst>
               <a:ext uri="{FF2B5EF4-FFF2-40B4-BE49-F238E27FC236}">
-                <a16:creationId xmlns:a16="http://schemas.microsoft.com/office/drawing/2014/main" id="{8C4BDF6B-9630-47A4-9B1E-1112226E3287}"/>
+                <a16:creationId xmlns:a16="http://schemas.microsoft.com/office/drawing/2014/main" xmlns="" id="{8C4BDF6B-9630-47A4-9B1E-1112226E3287}"/>
               </a:ext>
             </a:extLst>
           </p:cNvPr>
@@ -670,7 +674,7 @@
           <a:p>
             <a:fld id="{E69D778C-81F7-410C-A7F4-7ED7AC655196}" type="datetimeFigureOut">
               <a:rPr lang="en-IN" smtClean="0"/>
-              <a:t>10-12-2021</a:t>
+              <a:t>15-09-2025</a:t>
             </a:fld>
             <a:endParaRPr lang="en-IN"/>
           </a:p>
@@ -681,7 +685,7 @@
           <p:cNvPr id="5" name="Footer Placeholder 4">
             <a:extLst>
               <a:ext uri="{FF2B5EF4-FFF2-40B4-BE49-F238E27FC236}">
-                <a16:creationId xmlns:a16="http://schemas.microsoft.com/office/drawing/2014/main" id="{E6FB3DB3-4F6F-4D44-8828-43C823049DD6}"/>
+                <a16:creationId xmlns:a16="http://schemas.microsoft.com/office/drawing/2014/main" xmlns="" id="{E6FB3DB3-4F6F-4D44-8828-43C823049DD6}"/>
               </a:ext>
             </a:extLst>
           </p:cNvPr>
@@ -706,7 +710,7 @@
           <p:cNvPr id="6" name="Slide Number Placeholder 5">
             <a:extLst>
               <a:ext uri="{FF2B5EF4-FFF2-40B4-BE49-F238E27FC236}">
-                <a16:creationId xmlns:a16="http://schemas.microsoft.com/office/drawing/2014/main" id="{316E13EB-236C-4789-BA50-3DB334A3EC6D}"/>
+                <a16:creationId xmlns:a16="http://schemas.microsoft.com/office/drawing/2014/main" xmlns="" id="{316E13EB-236C-4789-BA50-3DB334A3EC6D}"/>
               </a:ext>
             </a:extLst>
           </p:cNvPr>
@@ -765,7 +769,7 @@
           <p:cNvPr id="2" name="Title 1">
             <a:extLst>
               <a:ext uri="{FF2B5EF4-FFF2-40B4-BE49-F238E27FC236}">
-                <a16:creationId xmlns:a16="http://schemas.microsoft.com/office/drawing/2014/main" id="{82EA6EE1-DEC2-41B1-BFAC-3C2A47380DF6}"/>
+                <a16:creationId xmlns:a16="http://schemas.microsoft.com/office/drawing/2014/main" xmlns="" id="{82EA6EE1-DEC2-41B1-BFAC-3C2A47380DF6}"/>
               </a:ext>
             </a:extLst>
           </p:cNvPr>
@@ -794,7 +798,7 @@
           <p:cNvPr id="3" name="Content Placeholder 2">
             <a:extLst>
               <a:ext uri="{FF2B5EF4-FFF2-40B4-BE49-F238E27FC236}">
-                <a16:creationId xmlns:a16="http://schemas.microsoft.com/office/drawing/2014/main" id="{8B8AB216-AE2D-44F8-A7CD-50343EB85934}"/>
+                <a16:creationId xmlns:a16="http://schemas.microsoft.com/office/drawing/2014/main" xmlns="" id="{8B8AB216-AE2D-44F8-A7CD-50343EB85934}"/>
               </a:ext>
             </a:extLst>
           </p:cNvPr>
@@ -852,7 +856,7 @@
           <p:cNvPr id="4" name="Date Placeholder 3">
             <a:extLst>
               <a:ext uri="{FF2B5EF4-FFF2-40B4-BE49-F238E27FC236}">
-                <a16:creationId xmlns:a16="http://schemas.microsoft.com/office/drawing/2014/main" id="{E6754053-8A96-4796-A37B-3C382CBEA786}"/>
+                <a16:creationId xmlns:a16="http://schemas.microsoft.com/office/drawing/2014/main" xmlns="" id="{E6754053-8A96-4796-A37B-3C382CBEA786}"/>
               </a:ext>
             </a:extLst>
           </p:cNvPr>
@@ -870,7 +874,7 @@
           <a:p>
             <a:fld id="{E69D778C-81F7-410C-A7F4-7ED7AC655196}" type="datetimeFigureOut">
               <a:rPr lang="en-IN" smtClean="0"/>
-              <a:t>10-12-2021</a:t>
+              <a:t>15-09-2025</a:t>
             </a:fld>
             <a:endParaRPr lang="en-IN"/>
           </a:p>
@@ -881,7 +885,7 @@
           <p:cNvPr id="5" name="Footer Placeholder 4">
             <a:extLst>
               <a:ext uri="{FF2B5EF4-FFF2-40B4-BE49-F238E27FC236}">
-                <a16:creationId xmlns:a16="http://schemas.microsoft.com/office/drawing/2014/main" id="{45D7E5BD-460C-4227-A7FF-925B7ED114F6}"/>
+                <a16:creationId xmlns:a16="http://schemas.microsoft.com/office/drawing/2014/main" xmlns="" id="{45D7E5BD-460C-4227-A7FF-925B7ED114F6}"/>
               </a:ext>
             </a:extLst>
           </p:cNvPr>
@@ -906,7 +910,7 @@
           <p:cNvPr id="6" name="Slide Number Placeholder 5">
             <a:extLst>
               <a:ext uri="{FF2B5EF4-FFF2-40B4-BE49-F238E27FC236}">
-                <a16:creationId xmlns:a16="http://schemas.microsoft.com/office/drawing/2014/main" id="{5342E107-D57B-4FB5-A13F-B3E8078886D4}"/>
+                <a16:creationId xmlns:a16="http://schemas.microsoft.com/office/drawing/2014/main" xmlns="" id="{5342E107-D57B-4FB5-A13F-B3E8078886D4}"/>
               </a:ext>
             </a:extLst>
           </p:cNvPr>
@@ -965,7 +969,7 @@
           <p:cNvPr id="2" name="Title 1">
             <a:extLst>
               <a:ext uri="{FF2B5EF4-FFF2-40B4-BE49-F238E27FC236}">
-                <a16:creationId xmlns:a16="http://schemas.microsoft.com/office/drawing/2014/main" id="{DDD29EAD-C73C-42F0-B0CF-B1F26097A1FC}"/>
+                <a16:creationId xmlns:a16="http://schemas.microsoft.com/office/drawing/2014/main" xmlns="" id="{DDD29EAD-C73C-42F0-B0CF-B1F26097A1FC}"/>
               </a:ext>
             </a:extLst>
           </p:cNvPr>
@@ -1003,7 +1007,7 @@
           <p:cNvPr id="3" name="Text Placeholder 2">
             <a:extLst>
               <a:ext uri="{FF2B5EF4-FFF2-40B4-BE49-F238E27FC236}">
-                <a16:creationId xmlns:a16="http://schemas.microsoft.com/office/drawing/2014/main" id="{8D2D6873-0637-4438-974C-3BE978E76E8D}"/>
+                <a16:creationId xmlns:a16="http://schemas.microsoft.com/office/drawing/2014/main" xmlns="" id="{8D2D6873-0637-4438-974C-3BE978E76E8D}"/>
               </a:ext>
             </a:extLst>
           </p:cNvPr>
@@ -1128,7 +1132,7 @@
           <p:cNvPr id="4" name="Date Placeholder 3">
             <a:extLst>
               <a:ext uri="{FF2B5EF4-FFF2-40B4-BE49-F238E27FC236}">
-                <a16:creationId xmlns:a16="http://schemas.microsoft.com/office/drawing/2014/main" id="{886C0F94-96B4-4DA3-9F4A-1594D07080BA}"/>
+                <a16:creationId xmlns:a16="http://schemas.microsoft.com/office/drawing/2014/main" xmlns="" id="{886C0F94-96B4-4DA3-9F4A-1594D07080BA}"/>
               </a:ext>
             </a:extLst>
           </p:cNvPr>
@@ -1146,7 +1150,7 @@
           <a:p>
             <a:fld id="{E69D778C-81F7-410C-A7F4-7ED7AC655196}" type="datetimeFigureOut">
               <a:rPr lang="en-IN" smtClean="0"/>
-              <a:t>10-12-2021</a:t>
+              <a:t>15-09-2025</a:t>
             </a:fld>
             <a:endParaRPr lang="en-IN"/>
           </a:p>
@@ -1157,7 +1161,7 @@
           <p:cNvPr id="5" name="Footer Placeholder 4">
             <a:extLst>
               <a:ext uri="{FF2B5EF4-FFF2-40B4-BE49-F238E27FC236}">
-                <a16:creationId xmlns:a16="http://schemas.microsoft.com/office/drawing/2014/main" id="{4BF58828-804D-46DA-993F-53BBA0747D77}"/>
+                <a16:creationId xmlns:a16="http://schemas.microsoft.com/office/drawing/2014/main" xmlns="" id="{4BF58828-804D-46DA-993F-53BBA0747D77}"/>
               </a:ext>
             </a:extLst>
           </p:cNvPr>
@@ -1182,7 +1186,7 @@
           <p:cNvPr id="6" name="Slide Number Placeholder 5">
             <a:extLst>
               <a:ext uri="{FF2B5EF4-FFF2-40B4-BE49-F238E27FC236}">
-                <a16:creationId xmlns:a16="http://schemas.microsoft.com/office/drawing/2014/main" id="{BDEA3848-F581-45F8-963B-BBA3102E0C98}"/>
+                <a16:creationId xmlns:a16="http://schemas.microsoft.com/office/drawing/2014/main" xmlns="" id="{BDEA3848-F581-45F8-963B-BBA3102E0C98}"/>
               </a:ext>
             </a:extLst>
           </p:cNvPr>
@@ -1241,7 +1245,7 @@
           <p:cNvPr id="2" name="Title 1">
             <a:extLst>
               <a:ext uri="{FF2B5EF4-FFF2-40B4-BE49-F238E27FC236}">
-                <a16:creationId xmlns:a16="http://schemas.microsoft.com/office/drawing/2014/main" id="{7AFCCD0B-CFAC-4E65-9D95-D51FCF11340D}"/>
+                <a16:creationId xmlns:a16="http://schemas.microsoft.com/office/drawing/2014/main" xmlns="" id="{7AFCCD0B-CFAC-4E65-9D95-D51FCF11340D}"/>
               </a:ext>
             </a:extLst>
           </p:cNvPr>
@@ -1270,7 +1274,7 @@
           <p:cNvPr id="3" name="Content Placeholder 2">
             <a:extLst>
               <a:ext uri="{FF2B5EF4-FFF2-40B4-BE49-F238E27FC236}">
-                <a16:creationId xmlns:a16="http://schemas.microsoft.com/office/drawing/2014/main" id="{D0F3642D-457D-463F-8492-1EE6539FB8E9}"/>
+                <a16:creationId xmlns:a16="http://schemas.microsoft.com/office/drawing/2014/main" xmlns="" id="{D0F3642D-457D-463F-8492-1EE6539FB8E9}"/>
               </a:ext>
             </a:extLst>
           </p:cNvPr>
@@ -1333,7 +1337,7 @@
           <p:cNvPr id="4" name="Content Placeholder 3">
             <a:extLst>
               <a:ext uri="{FF2B5EF4-FFF2-40B4-BE49-F238E27FC236}">
-                <a16:creationId xmlns:a16="http://schemas.microsoft.com/office/drawing/2014/main" id="{A6CC6190-5EF9-4669-B072-7EF7D62DA462}"/>
+                <a16:creationId xmlns:a16="http://schemas.microsoft.com/office/drawing/2014/main" xmlns="" id="{A6CC6190-5EF9-4669-B072-7EF7D62DA462}"/>
               </a:ext>
             </a:extLst>
           </p:cNvPr>
@@ -1396,7 +1400,7 @@
           <p:cNvPr id="5" name="Date Placeholder 4">
             <a:extLst>
               <a:ext uri="{FF2B5EF4-FFF2-40B4-BE49-F238E27FC236}">
-                <a16:creationId xmlns:a16="http://schemas.microsoft.com/office/drawing/2014/main" id="{B54D8A78-2C70-4BDD-A463-153D0CACE0C6}"/>
+                <a16:creationId xmlns:a16="http://schemas.microsoft.com/office/drawing/2014/main" xmlns="" id="{B54D8A78-2C70-4BDD-A463-153D0CACE0C6}"/>
               </a:ext>
             </a:extLst>
           </p:cNvPr>
@@ -1414,7 +1418,7 @@
           <a:p>
             <a:fld id="{E69D778C-81F7-410C-A7F4-7ED7AC655196}" type="datetimeFigureOut">
               <a:rPr lang="en-IN" smtClean="0"/>
-              <a:t>10-12-2021</a:t>
+              <a:t>15-09-2025</a:t>
             </a:fld>
             <a:endParaRPr lang="en-IN"/>
           </a:p>
@@ -1425,7 +1429,7 @@
           <p:cNvPr id="6" name="Footer Placeholder 5">
             <a:extLst>
               <a:ext uri="{FF2B5EF4-FFF2-40B4-BE49-F238E27FC236}">
-                <a16:creationId xmlns:a16="http://schemas.microsoft.com/office/drawing/2014/main" id="{1032B8CB-8AD4-4179-97FF-8BA3E6BE72E0}"/>
+                <a16:creationId xmlns:a16="http://schemas.microsoft.com/office/drawing/2014/main" xmlns="" id="{1032B8CB-8AD4-4179-97FF-8BA3E6BE72E0}"/>
               </a:ext>
             </a:extLst>
           </p:cNvPr>
@@ -1450,7 +1454,7 @@
           <p:cNvPr id="7" name="Slide Number Placeholder 6">
             <a:extLst>
               <a:ext uri="{FF2B5EF4-FFF2-40B4-BE49-F238E27FC236}">
-                <a16:creationId xmlns:a16="http://schemas.microsoft.com/office/drawing/2014/main" id="{B8C89513-EC6D-4829-8D1C-8379B01A94D9}"/>
+                <a16:creationId xmlns:a16="http://schemas.microsoft.com/office/drawing/2014/main" xmlns="" id="{B8C89513-EC6D-4829-8D1C-8379B01A94D9}"/>
               </a:ext>
             </a:extLst>
           </p:cNvPr>
@@ -1509,7 +1513,7 @@
           <p:cNvPr id="2" name="Title 1">
             <a:extLst>
               <a:ext uri="{FF2B5EF4-FFF2-40B4-BE49-F238E27FC236}">
-                <a16:creationId xmlns:a16="http://schemas.microsoft.com/office/drawing/2014/main" id="{3D45C0E6-E5BA-4D7D-A490-62F5C71CCF00}"/>
+                <a16:creationId xmlns:a16="http://schemas.microsoft.com/office/drawing/2014/main" xmlns="" id="{3D45C0E6-E5BA-4D7D-A490-62F5C71CCF00}"/>
               </a:ext>
             </a:extLst>
           </p:cNvPr>
@@ -1543,7 +1547,7 @@
           <p:cNvPr id="3" name="Text Placeholder 2">
             <a:extLst>
               <a:ext uri="{FF2B5EF4-FFF2-40B4-BE49-F238E27FC236}">
-                <a16:creationId xmlns:a16="http://schemas.microsoft.com/office/drawing/2014/main" id="{368713E8-AFC9-4424-AB9D-D2B3C9FCA9FD}"/>
+                <a16:creationId xmlns:a16="http://schemas.microsoft.com/office/drawing/2014/main" xmlns="" id="{368713E8-AFC9-4424-AB9D-D2B3C9FCA9FD}"/>
               </a:ext>
             </a:extLst>
           </p:cNvPr>
@@ -1614,7 +1618,7 @@
           <p:cNvPr id="4" name="Content Placeholder 3">
             <a:extLst>
               <a:ext uri="{FF2B5EF4-FFF2-40B4-BE49-F238E27FC236}">
-                <a16:creationId xmlns:a16="http://schemas.microsoft.com/office/drawing/2014/main" id="{76ABD43C-AC3F-45FD-9CE8-199E92460F04}"/>
+                <a16:creationId xmlns:a16="http://schemas.microsoft.com/office/drawing/2014/main" xmlns="" id="{76ABD43C-AC3F-45FD-9CE8-199E92460F04}"/>
               </a:ext>
             </a:extLst>
           </p:cNvPr>
@@ -1677,7 +1681,7 @@
           <p:cNvPr id="5" name="Text Placeholder 4">
             <a:extLst>
               <a:ext uri="{FF2B5EF4-FFF2-40B4-BE49-F238E27FC236}">
-                <a16:creationId xmlns:a16="http://schemas.microsoft.com/office/drawing/2014/main" id="{66240BFA-46A6-431F-8620-4EF566AC4F89}"/>
+                <a16:creationId xmlns:a16="http://schemas.microsoft.com/office/drawing/2014/main" xmlns="" id="{66240BFA-46A6-431F-8620-4EF566AC4F89}"/>
               </a:ext>
             </a:extLst>
           </p:cNvPr>
@@ -1748,7 +1752,7 @@
           <p:cNvPr id="6" name="Content Placeholder 5">
             <a:extLst>
               <a:ext uri="{FF2B5EF4-FFF2-40B4-BE49-F238E27FC236}">
-                <a16:creationId xmlns:a16="http://schemas.microsoft.com/office/drawing/2014/main" id="{BF7E6C50-9DAE-4EEC-8B6F-58D0ACF278B8}"/>
+                <a16:creationId xmlns:a16="http://schemas.microsoft.com/office/drawing/2014/main" xmlns="" id="{BF7E6C50-9DAE-4EEC-8B6F-58D0ACF278B8}"/>
               </a:ext>
             </a:extLst>
           </p:cNvPr>
@@ -1811,7 +1815,7 @@
           <p:cNvPr id="7" name="Date Placeholder 6">
             <a:extLst>
               <a:ext uri="{FF2B5EF4-FFF2-40B4-BE49-F238E27FC236}">
-                <a16:creationId xmlns:a16="http://schemas.microsoft.com/office/drawing/2014/main" id="{65E0FE57-03C0-4247-ADBC-01E8EB7AEB1F}"/>
+                <a16:creationId xmlns:a16="http://schemas.microsoft.com/office/drawing/2014/main" xmlns="" id="{65E0FE57-03C0-4247-ADBC-01E8EB7AEB1F}"/>
               </a:ext>
             </a:extLst>
           </p:cNvPr>
@@ -1829,7 +1833,7 @@
           <a:p>
             <a:fld id="{E69D778C-81F7-410C-A7F4-7ED7AC655196}" type="datetimeFigureOut">
               <a:rPr lang="en-IN" smtClean="0"/>
-              <a:t>10-12-2021</a:t>
+              <a:t>15-09-2025</a:t>
             </a:fld>
             <a:endParaRPr lang="en-IN"/>
           </a:p>
@@ -1840,7 +1844,7 @@
           <p:cNvPr id="8" name="Footer Placeholder 7">
             <a:extLst>
               <a:ext uri="{FF2B5EF4-FFF2-40B4-BE49-F238E27FC236}">
-                <a16:creationId xmlns:a16="http://schemas.microsoft.com/office/drawing/2014/main" id="{1019725D-F195-4819-B082-FD93E57AE472}"/>
+                <a16:creationId xmlns:a16="http://schemas.microsoft.com/office/drawing/2014/main" xmlns="" id="{1019725D-F195-4819-B082-FD93E57AE472}"/>
               </a:ext>
             </a:extLst>
           </p:cNvPr>
@@ -1865,7 +1869,7 @@
           <p:cNvPr id="9" name="Slide Number Placeholder 8">
             <a:extLst>
               <a:ext uri="{FF2B5EF4-FFF2-40B4-BE49-F238E27FC236}">
-                <a16:creationId xmlns:a16="http://schemas.microsoft.com/office/drawing/2014/main" id="{BB2F8447-C4C3-4AF4-A369-3C8D21815DA9}"/>
+                <a16:creationId xmlns:a16="http://schemas.microsoft.com/office/drawing/2014/main" xmlns="" id="{BB2F8447-C4C3-4AF4-A369-3C8D21815DA9}"/>
               </a:ext>
             </a:extLst>
           </p:cNvPr>
@@ -1924,7 +1928,7 @@
           <p:cNvPr id="2" name="Title 1">
             <a:extLst>
               <a:ext uri="{FF2B5EF4-FFF2-40B4-BE49-F238E27FC236}">
-                <a16:creationId xmlns:a16="http://schemas.microsoft.com/office/drawing/2014/main" id="{FF38B471-8A38-4CD3-9FC5-6C1ECAB4DA20}"/>
+                <a16:creationId xmlns:a16="http://schemas.microsoft.com/office/drawing/2014/main" xmlns="" id="{FF38B471-8A38-4CD3-9FC5-6C1ECAB4DA20}"/>
               </a:ext>
             </a:extLst>
           </p:cNvPr>
@@ -1953,7 +1957,7 @@
           <p:cNvPr id="3" name="Date Placeholder 2">
             <a:extLst>
               <a:ext uri="{FF2B5EF4-FFF2-40B4-BE49-F238E27FC236}">
-                <a16:creationId xmlns:a16="http://schemas.microsoft.com/office/drawing/2014/main" id="{C28B6334-411C-4995-B424-6F306F4EF94E}"/>
+                <a16:creationId xmlns:a16="http://schemas.microsoft.com/office/drawing/2014/main" xmlns="" id="{C28B6334-411C-4995-B424-6F306F4EF94E}"/>
               </a:ext>
             </a:extLst>
           </p:cNvPr>
@@ -1971,7 +1975,7 @@
           <a:p>
             <a:fld id="{E69D778C-81F7-410C-A7F4-7ED7AC655196}" type="datetimeFigureOut">
               <a:rPr lang="en-IN" smtClean="0"/>
-              <a:t>10-12-2021</a:t>
+              <a:t>15-09-2025</a:t>
             </a:fld>
             <a:endParaRPr lang="en-IN"/>
           </a:p>
@@ -1982,7 +1986,7 @@
           <p:cNvPr id="4" name="Footer Placeholder 3">
             <a:extLst>
               <a:ext uri="{FF2B5EF4-FFF2-40B4-BE49-F238E27FC236}">
-                <a16:creationId xmlns:a16="http://schemas.microsoft.com/office/drawing/2014/main" id="{0E531433-72A9-4075-AF52-DD773FAF7CE4}"/>
+                <a16:creationId xmlns:a16="http://schemas.microsoft.com/office/drawing/2014/main" xmlns="" id="{0E531433-72A9-4075-AF52-DD773FAF7CE4}"/>
               </a:ext>
             </a:extLst>
           </p:cNvPr>
@@ -2007,7 +2011,7 @@
           <p:cNvPr id="5" name="Slide Number Placeholder 4">
             <a:extLst>
               <a:ext uri="{FF2B5EF4-FFF2-40B4-BE49-F238E27FC236}">
-                <a16:creationId xmlns:a16="http://schemas.microsoft.com/office/drawing/2014/main" id="{91BA2FAB-B01F-4923-A224-06CEAAAD1E36}"/>
+                <a16:creationId xmlns:a16="http://schemas.microsoft.com/office/drawing/2014/main" xmlns="" id="{91BA2FAB-B01F-4923-A224-06CEAAAD1E36}"/>
               </a:ext>
             </a:extLst>
           </p:cNvPr>
@@ -2066,7 +2070,7 @@
           <p:cNvPr id="2" name="Date Placeholder 1">
             <a:extLst>
               <a:ext uri="{FF2B5EF4-FFF2-40B4-BE49-F238E27FC236}">
-                <a16:creationId xmlns:a16="http://schemas.microsoft.com/office/drawing/2014/main" id="{867B46C9-B45A-4483-9290-6391C3311385}"/>
+                <a16:creationId xmlns:a16="http://schemas.microsoft.com/office/drawing/2014/main" xmlns="" id="{867B46C9-B45A-4483-9290-6391C3311385}"/>
               </a:ext>
             </a:extLst>
           </p:cNvPr>
@@ -2084,7 +2088,7 @@
           <a:p>
             <a:fld id="{E69D778C-81F7-410C-A7F4-7ED7AC655196}" type="datetimeFigureOut">
               <a:rPr lang="en-IN" smtClean="0"/>
-              <a:t>10-12-2021</a:t>
+              <a:t>15-09-2025</a:t>
             </a:fld>
             <a:endParaRPr lang="en-IN"/>
           </a:p>
@@ -2095,7 +2099,7 @@
           <p:cNvPr id="3" name="Footer Placeholder 2">
             <a:extLst>
               <a:ext uri="{FF2B5EF4-FFF2-40B4-BE49-F238E27FC236}">
-                <a16:creationId xmlns:a16="http://schemas.microsoft.com/office/drawing/2014/main" id="{B215079E-50AE-4197-8303-81291A190133}"/>
+                <a16:creationId xmlns:a16="http://schemas.microsoft.com/office/drawing/2014/main" xmlns="" id="{B215079E-50AE-4197-8303-81291A190133}"/>
               </a:ext>
             </a:extLst>
           </p:cNvPr>
@@ -2120,7 +2124,7 @@
           <p:cNvPr id="4" name="Slide Number Placeholder 3">
             <a:extLst>
               <a:ext uri="{FF2B5EF4-FFF2-40B4-BE49-F238E27FC236}">
-                <a16:creationId xmlns:a16="http://schemas.microsoft.com/office/drawing/2014/main" id="{FA206434-27F5-4A3B-906F-652A2DC96E2A}"/>
+                <a16:creationId xmlns:a16="http://schemas.microsoft.com/office/drawing/2014/main" xmlns="" id="{FA206434-27F5-4A3B-906F-652A2DC96E2A}"/>
               </a:ext>
             </a:extLst>
           </p:cNvPr>
@@ -2179,7 +2183,7 @@
           <p:cNvPr id="2" name="Title 1">
             <a:extLst>
               <a:ext uri="{FF2B5EF4-FFF2-40B4-BE49-F238E27FC236}">
-                <a16:creationId xmlns:a16="http://schemas.microsoft.com/office/drawing/2014/main" id="{1C1F345D-39BA-497D-90E8-67C8E0C0FA42}"/>
+                <a16:creationId xmlns:a16="http://schemas.microsoft.com/office/drawing/2014/main" xmlns="" id="{1C1F345D-39BA-497D-90E8-67C8E0C0FA42}"/>
               </a:ext>
             </a:extLst>
           </p:cNvPr>
@@ -2217,7 +2221,7 @@
           <p:cNvPr id="3" name="Content Placeholder 2">
             <a:extLst>
               <a:ext uri="{FF2B5EF4-FFF2-40B4-BE49-F238E27FC236}">
-                <a16:creationId xmlns:a16="http://schemas.microsoft.com/office/drawing/2014/main" id="{462946A8-DE7D-4D74-8DDA-46769DDFA97B}"/>
+                <a16:creationId xmlns:a16="http://schemas.microsoft.com/office/drawing/2014/main" xmlns="" id="{462946A8-DE7D-4D74-8DDA-46769DDFA97B}"/>
               </a:ext>
             </a:extLst>
           </p:cNvPr>
@@ -2308,7 +2312,7 @@
           <p:cNvPr id="4" name="Text Placeholder 3">
             <a:extLst>
               <a:ext uri="{FF2B5EF4-FFF2-40B4-BE49-F238E27FC236}">
-                <a16:creationId xmlns:a16="http://schemas.microsoft.com/office/drawing/2014/main" id="{07779FCC-BA9A-44FE-8C9C-2C8B631E5989}"/>
+                <a16:creationId xmlns:a16="http://schemas.microsoft.com/office/drawing/2014/main" xmlns="" id="{07779FCC-BA9A-44FE-8C9C-2C8B631E5989}"/>
               </a:ext>
             </a:extLst>
           </p:cNvPr>
@@ -2379,7 +2383,7 @@
           <p:cNvPr id="5" name="Date Placeholder 4">
             <a:extLst>
               <a:ext uri="{FF2B5EF4-FFF2-40B4-BE49-F238E27FC236}">
-                <a16:creationId xmlns:a16="http://schemas.microsoft.com/office/drawing/2014/main" id="{7F15527F-5C4C-4AEC-8884-CF14332322CE}"/>
+                <a16:creationId xmlns:a16="http://schemas.microsoft.com/office/drawing/2014/main" xmlns="" id="{7F15527F-5C4C-4AEC-8884-CF14332322CE}"/>
               </a:ext>
             </a:extLst>
           </p:cNvPr>
@@ -2397,7 +2401,7 @@
           <a:p>
             <a:fld id="{E69D778C-81F7-410C-A7F4-7ED7AC655196}" type="datetimeFigureOut">
               <a:rPr lang="en-IN" smtClean="0"/>
-              <a:t>10-12-2021</a:t>
+              <a:t>15-09-2025</a:t>
             </a:fld>
             <a:endParaRPr lang="en-IN"/>
           </a:p>
@@ -2408,7 +2412,7 @@
           <p:cNvPr id="6" name="Footer Placeholder 5">
             <a:extLst>
               <a:ext uri="{FF2B5EF4-FFF2-40B4-BE49-F238E27FC236}">
-                <a16:creationId xmlns:a16="http://schemas.microsoft.com/office/drawing/2014/main" id="{44A550F8-CFE6-4E15-A76C-C56E7FBAA10C}"/>
+                <a16:creationId xmlns:a16="http://schemas.microsoft.com/office/drawing/2014/main" xmlns="" id="{44A550F8-CFE6-4E15-A76C-C56E7FBAA10C}"/>
               </a:ext>
             </a:extLst>
           </p:cNvPr>
@@ -2433,7 +2437,7 @@
           <p:cNvPr id="7" name="Slide Number Placeholder 6">
             <a:extLst>
               <a:ext uri="{FF2B5EF4-FFF2-40B4-BE49-F238E27FC236}">
-                <a16:creationId xmlns:a16="http://schemas.microsoft.com/office/drawing/2014/main" id="{E1CC1C07-8E43-403E-A54B-188D64C8631A}"/>
+                <a16:creationId xmlns:a16="http://schemas.microsoft.com/office/drawing/2014/main" xmlns="" id="{E1CC1C07-8E43-403E-A54B-188D64C8631A}"/>
               </a:ext>
             </a:extLst>
           </p:cNvPr>
@@ -2492,7 +2496,7 @@
           <p:cNvPr id="2" name="Title 1">
             <a:extLst>
               <a:ext uri="{FF2B5EF4-FFF2-40B4-BE49-F238E27FC236}">
-                <a16:creationId xmlns:a16="http://schemas.microsoft.com/office/drawing/2014/main" id="{0363FCD3-E4E4-48D1-BD72-7DBC4C5EBE9D}"/>
+                <a16:creationId xmlns:a16="http://schemas.microsoft.com/office/drawing/2014/main" xmlns="" id="{0363FCD3-E4E4-48D1-BD72-7DBC4C5EBE9D}"/>
               </a:ext>
             </a:extLst>
           </p:cNvPr>
@@ -2530,7 +2534,7 @@
           <p:cNvPr id="3" name="Picture Placeholder 2">
             <a:extLst>
               <a:ext uri="{FF2B5EF4-FFF2-40B4-BE49-F238E27FC236}">
-                <a16:creationId xmlns:a16="http://schemas.microsoft.com/office/drawing/2014/main" id="{4471809A-61B4-4F5C-AE92-838E20C56926}"/>
+                <a16:creationId xmlns:a16="http://schemas.microsoft.com/office/drawing/2014/main" xmlns="" id="{4471809A-61B4-4F5C-AE92-838E20C56926}"/>
               </a:ext>
             </a:extLst>
           </p:cNvPr>
@@ -2597,7 +2601,7 @@
           <p:cNvPr id="4" name="Text Placeholder 3">
             <a:extLst>
               <a:ext uri="{FF2B5EF4-FFF2-40B4-BE49-F238E27FC236}">
-                <a16:creationId xmlns:a16="http://schemas.microsoft.com/office/drawing/2014/main" id="{0C859F58-8E53-4C1F-A5CD-48AAEC1700E0}"/>
+                <a16:creationId xmlns:a16="http://schemas.microsoft.com/office/drawing/2014/main" xmlns="" id="{0C859F58-8E53-4C1F-A5CD-48AAEC1700E0}"/>
               </a:ext>
             </a:extLst>
           </p:cNvPr>
@@ -2668,7 +2672,7 @@
           <p:cNvPr id="5" name="Date Placeholder 4">
             <a:extLst>
               <a:ext uri="{FF2B5EF4-FFF2-40B4-BE49-F238E27FC236}">
-                <a16:creationId xmlns:a16="http://schemas.microsoft.com/office/drawing/2014/main" id="{7AE79118-E505-4E56-BCE5-F689A51AB630}"/>
+                <a16:creationId xmlns:a16="http://schemas.microsoft.com/office/drawing/2014/main" xmlns="" id="{7AE79118-E505-4E56-BCE5-F689A51AB630}"/>
               </a:ext>
             </a:extLst>
           </p:cNvPr>
@@ -2686,7 +2690,7 @@
           <a:p>
             <a:fld id="{E69D778C-81F7-410C-A7F4-7ED7AC655196}" type="datetimeFigureOut">
               <a:rPr lang="en-IN" smtClean="0"/>
-              <a:t>10-12-2021</a:t>
+              <a:t>15-09-2025</a:t>
             </a:fld>
             <a:endParaRPr lang="en-IN"/>
           </a:p>
@@ -2697,7 +2701,7 @@
           <p:cNvPr id="6" name="Footer Placeholder 5">
             <a:extLst>
               <a:ext uri="{FF2B5EF4-FFF2-40B4-BE49-F238E27FC236}">
-                <a16:creationId xmlns:a16="http://schemas.microsoft.com/office/drawing/2014/main" id="{3D68D863-5FF6-4AD0-94D5-F9A7308EF226}"/>
+                <a16:creationId xmlns:a16="http://schemas.microsoft.com/office/drawing/2014/main" xmlns="" id="{3D68D863-5FF6-4AD0-94D5-F9A7308EF226}"/>
               </a:ext>
             </a:extLst>
           </p:cNvPr>
@@ -2722,7 +2726,7 @@
           <p:cNvPr id="7" name="Slide Number Placeholder 6">
             <a:extLst>
               <a:ext uri="{FF2B5EF4-FFF2-40B4-BE49-F238E27FC236}">
-                <a16:creationId xmlns:a16="http://schemas.microsoft.com/office/drawing/2014/main" id="{77DA4BF4-DED3-450F-A203-158E1679EACA}"/>
+                <a16:creationId xmlns:a16="http://schemas.microsoft.com/office/drawing/2014/main" xmlns="" id="{77DA4BF4-DED3-450F-A203-158E1679EACA}"/>
               </a:ext>
             </a:extLst>
           </p:cNvPr>
@@ -2786,7 +2790,7 @@
           <p:cNvPr id="2" name="Title Placeholder 1">
             <a:extLst>
               <a:ext uri="{FF2B5EF4-FFF2-40B4-BE49-F238E27FC236}">
-                <a16:creationId xmlns:a16="http://schemas.microsoft.com/office/drawing/2014/main" id="{BD3BA2CA-E4C3-4EEB-A926-704D7A41FD9C}"/>
+                <a16:creationId xmlns:a16="http://schemas.microsoft.com/office/drawing/2014/main" xmlns="" id="{BD3BA2CA-E4C3-4EEB-A926-704D7A41FD9C}"/>
               </a:ext>
             </a:extLst>
           </p:cNvPr>
@@ -2825,7 +2829,7 @@
           <p:cNvPr id="3" name="Text Placeholder 2">
             <a:extLst>
               <a:ext uri="{FF2B5EF4-FFF2-40B4-BE49-F238E27FC236}">
-                <a16:creationId xmlns:a16="http://schemas.microsoft.com/office/drawing/2014/main" id="{CC0A3DA8-0039-4CE8-BEA3-6A1EE3D993F9}"/>
+                <a16:creationId xmlns:a16="http://schemas.microsoft.com/office/drawing/2014/main" xmlns="" id="{CC0A3DA8-0039-4CE8-BEA3-6A1EE3D993F9}"/>
               </a:ext>
             </a:extLst>
           </p:cNvPr>
@@ -2893,7 +2897,7 @@
           <p:cNvPr id="4" name="Date Placeholder 3">
             <a:extLst>
               <a:ext uri="{FF2B5EF4-FFF2-40B4-BE49-F238E27FC236}">
-                <a16:creationId xmlns:a16="http://schemas.microsoft.com/office/drawing/2014/main" id="{50F5DA9A-92F2-41C2-B260-3A8488330AD8}"/>
+                <a16:creationId xmlns:a16="http://schemas.microsoft.com/office/drawing/2014/main" xmlns="" id="{50F5DA9A-92F2-41C2-B260-3A8488330AD8}"/>
               </a:ext>
             </a:extLst>
           </p:cNvPr>
@@ -2929,7 +2933,7 @@
           <a:p>
             <a:fld id="{E69D778C-81F7-410C-A7F4-7ED7AC655196}" type="datetimeFigureOut">
               <a:rPr lang="en-IN" smtClean="0"/>
-              <a:t>10-12-2021</a:t>
+              <a:t>15-09-2025</a:t>
             </a:fld>
             <a:endParaRPr lang="en-IN"/>
           </a:p>
@@ -2940,7 +2944,7 @@
           <p:cNvPr id="5" name="Footer Placeholder 4">
             <a:extLst>
               <a:ext uri="{FF2B5EF4-FFF2-40B4-BE49-F238E27FC236}">
-                <a16:creationId xmlns:a16="http://schemas.microsoft.com/office/drawing/2014/main" id="{547163A5-08F2-47C1-B3C5-0BDD6BF560F4}"/>
+                <a16:creationId xmlns:a16="http://schemas.microsoft.com/office/drawing/2014/main" xmlns="" id="{547163A5-08F2-47C1-B3C5-0BDD6BF560F4}"/>
               </a:ext>
             </a:extLst>
           </p:cNvPr>
@@ -2983,7 +2987,7 @@
           <p:cNvPr id="6" name="Slide Number Placeholder 5">
             <a:extLst>
               <a:ext uri="{FF2B5EF4-FFF2-40B4-BE49-F238E27FC236}">
-                <a16:creationId xmlns:a16="http://schemas.microsoft.com/office/drawing/2014/main" id="{BEDFCDA2-6389-4908-8561-BD248B8F27AF}"/>
+                <a16:creationId xmlns:a16="http://schemas.microsoft.com/office/drawing/2014/main" xmlns="" id="{BEDFCDA2-6389-4908-8561-BD248B8F27AF}"/>
               </a:ext>
             </a:extLst>
           </p:cNvPr>
@@ -3351,7 +3355,7 @@
           <p:cNvPr id="2" name="Title 1">
             <a:extLst>
               <a:ext uri="{FF2B5EF4-FFF2-40B4-BE49-F238E27FC236}">
-                <a16:creationId xmlns:a16="http://schemas.microsoft.com/office/drawing/2014/main" id="{7BEC835C-5594-4BF9-8E65-7A5366EA5DAA}"/>
+                <a16:creationId xmlns:a16="http://schemas.microsoft.com/office/drawing/2014/main" xmlns="" id="{7BEC835C-5594-4BF9-8E65-7A5366EA5DAA}"/>
               </a:ext>
             </a:extLst>
           </p:cNvPr>
@@ -3379,7 +3383,7 @@
           <p:cNvPr id="3" name="Subtitle 2">
             <a:extLst>
               <a:ext uri="{FF2B5EF4-FFF2-40B4-BE49-F238E27FC236}">
-                <a16:creationId xmlns:a16="http://schemas.microsoft.com/office/drawing/2014/main" id="{88133F90-4B17-49C5-9CB6-FCF78A63467A}"/>
+                <a16:creationId xmlns:a16="http://schemas.microsoft.com/office/drawing/2014/main" xmlns="" id="{88133F90-4B17-49C5-9CB6-FCF78A63467A}"/>
               </a:ext>
             </a:extLst>
           </p:cNvPr>
@@ -3441,7 +3445,7 @@
           <p:cNvPr id="2" name="Title 1">
             <a:extLst>
               <a:ext uri="{FF2B5EF4-FFF2-40B4-BE49-F238E27FC236}">
-                <a16:creationId xmlns:a16="http://schemas.microsoft.com/office/drawing/2014/main" id="{FD0E5EB8-E263-4173-A607-3BFEFA75FEE9}"/>
+                <a16:creationId xmlns:a16="http://schemas.microsoft.com/office/drawing/2014/main" xmlns="" id="{FD0E5EB8-E263-4173-A607-3BFEFA75FEE9}"/>
               </a:ext>
             </a:extLst>
           </p:cNvPr>
@@ -3469,7 +3473,7 @@
           <p:cNvPr id="4" name="Table 3">
             <a:extLst>
               <a:ext uri="{FF2B5EF4-FFF2-40B4-BE49-F238E27FC236}">
-                <a16:creationId xmlns:a16="http://schemas.microsoft.com/office/drawing/2014/main" id="{A2D30E9F-E587-4202-B504-6843BD4BD78F}"/>
+                <a16:creationId xmlns:a16="http://schemas.microsoft.com/office/drawing/2014/main" xmlns="" id="{A2D30E9F-E587-4202-B504-6843BD4BD78F}"/>
               </a:ext>
             </a:extLst>
           </p:cNvPr>
@@ -3498,28 +3502,28 @@
                 <a:gridCol w="2628561">
                   <a:extLst>
                     <a:ext uri="{9D8B030D-6E8A-4147-A177-3AD203B41FA5}">
-                      <a16:colId xmlns:a16="http://schemas.microsoft.com/office/drawing/2014/main" val="3150134042"/>
+                      <a16:colId xmlns:a16="http://schemas.microsoft.com/office/drawing/2014/main" xmlns="" val="3150134042"/>
                     </a:ext>
                   </a:extLst>
                 </a:gridCol>
                 <a:gridCol w="2628561">
                   <a:extLst>
                     <a:ext uri="{9D8B030D-6E8A-4147-A177-3AD203B41FA5}">
-                      <a16:colId xmlns:a16="http://schemas.microsoft.com/office/drawing/2014/main" val="3470025561"/>
+                      <a16:colId xmlns:a16="http://schemas.microsoft.com/office/drawing/2014/main" xmlns="" val="3470025561"/>
                     </a:ext>
                   </a:extLst>
                 </a:gridCol>
                 <a:gridCol w="2628561">
                   <a:extLst>
                     <a:ext uri="{9D8B030D-6E8A-4147-A177-3AD203B41FA5}">
-                      <a16:colId xmlns:a16="http://schemas.microsoft.com/office/drawing/2014/main" val="460350976"/>
+                      <a16:colId xmlns:a16="http://schemas.microsoft.com/office/drawing/2014/main" xmlns="" val="460350976"/>
                     </a:ext>
                   </a:extLst>
                 </a:gridCol>
                 <a:gridCol w="2629915">
                   <a:extLst>
                     <a:ext uri="{9D8B030D-6E8A-4147-A177-3AD203B41FA5}">
-                      <a16:colId xmlns:a16="http://schemas.microsoft.com/office/drawing/2014/main" val="1784508973"/>
+                      <a16:colId xmlns:a16="http://schemas.microsoft.com/office/drawing/2014/main" xmlns="" val="1784508973"/>
                     </a:ext>
                   </a:extLst>
                 </a:gridCol>
@@ -3643,7 +3647,7 @@
                 </a:tc>
                 <a:extLst>
                   <a:ext uri="{0D108BD9-81ED-4DB2-BD59-A6C34878D82A}">
-                    <a16:rowId xmlns:a16="http://schemas.microsoft.com/office/drawing/2014/main" val="4145453032"/>
+                    <a16:rowId xmlns:a16="http://schemas.microsoft.com/office/drawing/2014/main" xmlns="" val="4145453032"/>
                   </a:ext>
                 </a:extLst>
               </a:tr>
@@ -3766,7 +3770,7 @@
                 </a:tc>
                 <a:extLst>
                   <a:ext uri="{0D108BD9-81ED-4DB2-BD59-A6C34878D82A}">
-                    <a16:rowId xmlns:a16="http://schemas.microsoft.com/office/drawing/2014/main" val="76431862"/>
+                    <a16:rowId xmlns:a16="http://schemas.microsoft.com/office/drawing/2014/main" xmlns="" val="76431862"/>
                   </a:ext>
                 </a:extLst>
               </a:tr>
@@ -3889,7 +3893,7 @@
                 </a:tc>
                 <a:extLst>
                   <a:ext uri="{0D108BD9-81ED-4DB2-BD59-A6C34878D82A}">
-                    <a16:rowId xmlns:a16="http://schemas.microsoft.com/office/drawing/2014/main" val="3363179607"/>
+                    <a16:rowId xmlns:a16="http://schemas.microsoft.com/office/drawing/2014/main" xmlns="" val="3363179607"/>
                   </a:ext>
                 </a:extLst>
               </a:tr>
@@ -4024,7 +4028,7 @@
                 </a:tc>
                 <a:extLst>
                   <a:ext uri="{0D108BD9-81ED-4DB2-BD59-A6C34878D82A}">
-                    <a16:rowId xmlns:a16="http://schemas.microsoft.com/office/drawing/2014/main" val="4124183144"/>
+                    <a16:rowId xmlns:a16="http://schemas.microsoft.com/office/drawing/2014/main" xmlns="" val="4124183144"/>
                   </a:ext>
                 </a:extLst>
               </a:tr>
@@ -4067,7 +4071,7 @@
           <p:cNvPr id="2" name="Title 1">
             <a:extLst>
               <a:ext uri="{FF2B5EF4-FFF2-40B4-BE49-F238E27FC236}">
-                <a16:creationId xmlns:a16="http://schemas.microsoft.com/office/drawing/2014/main" id="{D18F3B12-3BBE-436C-9857-4C60604CC430}"/>
+                <a16:creationId xmlns:a16="http://schemas.microsoft.com/office/drawing/2014/main" xmlns="" id="{D18F3B12-3BBE-436C-9857-4C60604CC430}"/>
               </a:ext>
             </a:extLst>
           </p:cNvPr>
@@ -4095,7 +4099,7 @@
           <p:cNvPr id="4" name="Table 3">
             <a:extLst>
               <a:ext uri="{FF2B5EF4-FFF2-40B4-BE49-F238E27FC236}">
-                <a16:creationId xmlns:a16="http://schemas.microsoft.com/office/drawing/2014/main" id="{0E61EA99-8702-40EE-859F-B3D81F8C7311}"/>
+                <a16:creationId xmlns:a16="http://schemas.microsoft.com/office/drawing/2014/main" xmlns="" id="{0E61EA99-8702-40EE-859F-B3D81F8C7311}"/>
               </a:ext>
             </a:extLst>
           </p:cNvPr>
@@ -4124,42 +4128,42 @@
                 <a:gridCol w="1737043">
                   <a:extLst>
                     <a:ext uri="{9D8B030D-6E8A-4147-A177-3AD203B41FA5}">
-                      <a16:colId xmlns:a16="http://schemas.microsoft.com/office/drawing/2014/main" val="3596305605"/>
+                      <a16:colId xmlns:a16="http://schemas.microsoft.com/office/drawing/2014/main" xmlns="" val="3596305605"/>
                     </a:ext>
                   </a:extLst>
                 </a:gridCol>
                 <a:gridCol w="1370424">
                   <a:extLst>
                     <a:ext uri="{9D8B030D-6E8A-4147-A177-3AD203B41FA5}">
-                      <a16:colId xmlns:a16="http://schemas.microsoft.com/office/drawing/2014/main" val="3538216323"/>
+                      <a16:colId xmlns:a16="http://schemas.microsoft.com/office/drawing/2014/main" xmlns="" val="3538216323"/>
                     </a:ext>
                   </a:extLst>
                 </a:gridCol>
                 <a:gridCol w="1731631">
                   <a:extLst>
                     <a:ext uri="{9D8B030D-6E8A-4147-A177-3AD203B41FA5}">
-                      <a16:colId xmlns:a16="http://schemas.microsoft.com/office/drawing/2014/main" val="4018596971"/>
+                      <a16:colId xmlns:a16="http://schemas.microsoft.com/office/drawing/2014/main" xmlns="" val="4018596971"/>
                     </a:ext>
                   </a:extLst>
                 </a:gridCol>
                 <a:gridCol w="1914264">
                   <a:extLst>
                     <a:ext uri="{9D8B030D-6E8A-4147-A177-3AD203B41FA5}">
-                      <a16:colId xmlns:a16="http://schemas.microsoft.com/office/drawing/2014/main" val="671565440"/>
+                      <a16:colId xmlns:a16="http://schemas.microsoft.com/office/drawing/2014/main" xmlns="" val="671565440"/>
                     </a:ext>
                   </a:extLst>
                 </a:gridCol>
                 <a:gridCol w="2014374">
                   <a:extLst>
                     <a:ext uri="{9D8B030D-6E8A-4147-A177-3AD203B41FA5}">
-                      <a16:colId xmlns:a16="http://schemas.microsoft.com/office/drawing/2014/main" val="666885990"/>
+                      <a16:colId xmlns:a16="http://schemas.microsoft.com/office/drawing/2014/main" xmlns="" val="666885990"/>
                     </a:ext>
                   </a:extLst>
                 </a:gridCol>
                 <a:gridCol w="1747865">
                   <a:extLst>
                     <a:ext uri="{9D8B030D-6E8A-4147-A177-3AD203B41FA5}">
-                      <a16:colId xmlns:a16="http://schemas.microsoft.com/office/drawing/2014/main" val="3691872462"/>
+                      <a16:colId xmlns:a16="http://schemas.microsoft.com/office/drawing/2014/main" xmlns="" val="3691872462"/>
                     </a:ext>
                   </a:extLst>
                 </a:gridCol>
@@ -4341,7 +4345,7 @@
                 </a:tc>
                 <a:extLst>
                   <a:ext uri="{0D108BD9-81ED-4DB2-BD59-A6C34878D82A}">
-                    <a16:rowId xmlns:a16="http://schemas.microsoft.com/office/drawing/2014/main" val="3611361742"/>
+                    <a16:rowId xmlns:a16="http://schemas.microsoft.com/office/drawing/2014/main" xmlns="" val="3611361742"/>
                   </a:ext>
                 </a:extLst>
               </a:tr>
@@ -4522,7 +4526,7 @@
                 </a:tc>
                 <a:extLst>
                   <a:ext uri="{0D108BD9-81ED-4DB2-BD59-A6C34878D82A}">
-                    <a16:rowId xmlns:a16="http://schemas.microsoft.com/office/drawing/2014/main" val="2753759996"/>
+                    <a16:rowId xmlns:a16="http://schemas.microsoft.com/office/drawing/2014/main" xmlns="" val="2753759996"/>
                   </a:ext>
                 </a:extLst>
               </a:tr>
@@ -4703,7 +4707,7 @@
                 </a:tc>
                 <a:extLst>
                   <a:ext uri="{0D108BD9-81ED-4DB2-BD59-A6C34878D82A}">
-                    <a16:rowId xmlns:a16="http://schemas.microsoft.com/office/drawing/2014/main" val="3200085850"/>
+                    <a16:rowId xmlns:a16="http://schemas.microsoft.com/office/drawing/2014/main" xmlns="" val="3200085850"/>
                   </a:ext>
                 </a:extLst>
               </a:tr>
@@ -4884,7 +4888,7 @@
                 </a:tc>
                 <a:extLst>
                   <a:ext uri="{0D108BD9-81ED-4DB2-BD59-A6C34878D82A}">
-                    <a16:rowId xmlns:a16="http://schemas.microsoft.com/office/drawing/2014/main" val="1564513309"/>
+                    <a16:rowId xmlns:a16="http://schemas.microsoft.com/office/drawing/2014/main" xmlns="" val="1564513309"/>
                   </a:ext>
                 </a:extLst>
               </a:tr>
@@ -5065,7 +5069,7 @@
                 </a:tc>
                 <a:extLst>
                   <a:ext uri="{0D108BD9-81ED-4DB2-BD59-A6C34878D82A}">
-                    <a16:rowId xmlns:a16="http://schemas.microsoft.com/office/drawing/2014/main" val="1167391304"/>
+                    <a16:rowId xmlns:a16="http://schemas.microsoft.com/office/drawing/2014/main" xmlns="" val="1167391304"/>
                   </a:ext>
                 </a:extLst>
               </a:tr>
@@ -5246,7 +5250,7 @@
                 </a:tc>
                 <a:extLst>
                   <a:ext uri="{0D108BD9-81ED-4DB2-BD59-A6C34878D82A}">
-                    <a16:rowId xmlns:a16="http://schemas.microsoft.com/office/drawing/2014/main" val="1508372430"/>
+                    <a16:rowId xmlns:a16="http://schemas.microsoft.com/office/drawing/2014/main" xmlns="" val="1508372430"/>
                   </a:ext>
                 </a:extLst>
               </a:tr>
@@ -5289,7 +5293,7 @@
           <p:cNvPr id="2" name="Title 1">
             <a:extLst>
               <a:ext uri="{FF2B5EF4-FFF2-40B4-BE49-F238E27FC236}">
-                <a16:creationId xmlns:a16="http://schemas.microsoft.com/office/drawing/2014/main" id="{E0BEBA05-0AF4-42B0-B415-126A2DA82824}"/>
+                <a16:creationId xmlns:a16="http://schemas.microsoft.com/office/drawing/2014/main" xmlns="" id="{E0BEBA05-0AF4-42B0-B415-126A2DA82824}"/>
               </a:ext>
             </a:extLst>
           </p:cNvPr>
@@ -5317,7 +5321,7 @@
           <p:cNvPr id="4" name="Table 3">
             <a:extLst>
               <a:ext uri="{FF2B5EF4-FFF2-40B4-BE49-F238E27FC236}">
-                <a16:creationId xmlns:a16="http://schemas.microsoft.com/office/drawing/2014/main" id="{85D44C1D-7890-467E-937F-E9B67F56A477}"/>
+                <a16:creationId xmlns:a16="http://schemas.microsoft.com/office/drawing/2014/main" xmlns="" id="{85D44C1D-7890-467E-937F-E9B67F56A477}"/>
               </a:ext>
             </a:extLst>
           </p:cNvPr>
@@ -5334,7 +5338,7 @@
         </p:nvGraphicFramePr>
         <p:xfrm>
           <a:off x="838200" y="1690689"/>
-          <a:ext cx="10515599" cy="436309"/>
+          <a:ext cx="10515599" cy="456565"/>
         </p:xfrm>
         <a:graphic>
           <a:graphicData uri="http://schemas.openxmlformats.org/drawingml/2006/table">
@@ -5346,35 +5350,35 @@
                 <a:gridCol w="2102308">
                   <a:extLst>
                     <a:ext uri="{9D8B030D-6E8A-4147-A177-3AD203B41FA5}">
-                      <a16:colId xmlns:a16="http://schemas.microsoft.com/office/drawing/2014/main" val="3145513517"/>
+                      <a16:colId xmlns:a16="http://schemas.microsoft.com/office/drawing/2014/main" xmlns="" val="3145513517"/>
                     </a:ext>
                   </a:extLst>
                 </a:gridCol>
                 <a:gridCol w="2102308">
                   <a:extLst>
                     <a:ext uri="{9D8B030D-6E8A-4147-A177-3AD203B41FA5}">
-                      <a16:colId xmlns:a16="http://schemas.microsoft.com/office/drawing/2014/main" val="3251099907"/>
+                      <a16:colId xmlns:a16="http://schemas.microsoft.com/office/drawing/2014/main" xmlns="" val="3251099907"/>
                     </a:ext>
                   </a:extLst>
                 </a:gridCol>
                 <a:gridCol w="2103661">
                   <a:extLst>
                     <a:ext uri="{9D8B030D-6E8A-4147-A177-3AD203B41FA5}">
-                      <a16:colId xmlns:a16="http://schemas.microsoft.com/office/drawing/2014/main" val="847645748"/>
+                      <a16:colId xmlns:a16="http://schemas.microsoft.com/office/drawing/2014/main" xmlns="" val="847645748"/>
                     </a:ext>
                   </a:extLst>
                 </a:gridCol>
                 <a:gridCol w="2103661">
                   <a:extLst>
                     <a:ext uri="{9D8B030D-6E8A-4147-A177-3AD203B41FA5}">
-                      <a16:colId xmlns:a16="http://schemas.microsoft.com/office/drawing/2014/main" val="1224708625"/>
+                      <a16:colId xmlns:a16="http://schemas.microsoft.com/office/drawing/2014/main" xmlns="" val="1224708625"/>
                     </a:ext>
                   </a:extLst>
                 </a:gridCol>
                 <a:gridCol w="2103661">
                   <a:extLst>
                     <a:ext uri="{9D8B030D-6E8A-4147-A177-3AD203B41FA5}">
-                      <a16:colId xmlns:a16="http://schemas.microsoft.com/office/drawing/2014/main" val="726869701"/>
+                      <a16:colId xmlns:a16="http://schemas.microsoft.com/office/drawing/2014/main" xmlns="" val="726869701"/>
                     </a:ext>
                   </a:extLst>
                 </a:gridCol>
@@ -5527,7 +5531,7 @@
                 </a:tc>
                 <a:extLst>
                   <a:ext uri="{0D108BD9-81ED-4DB2-BD59-A6C34878D82A}">
-                    <a16:rowId xmlns:a16="http://schemas.microsoft.com/office/drawing/2014/main" val="3266950008"/>
+                    <a16:rowId xmlns:a16="http://schemas.microsoft.com/office/drawing/2014/main" xmlns="" val="3266950008"/>
                   </a:ext>
                 </a:extLst>
               </a:tr>
@@ -5540,7 +5544,7 @@
           <p:cNvPr id="6" name="TextBox 5">
             <a:extLst>
               <a:ext uri="{FF2B5EF4-FFF2-40B4-BE49-F238E27FC236}">
-                <a16:creationId xmlns:a16="http://schemas.microsoft.com/office/drawing/2014/main" id="{670F2189-02D2-4E0B-94C8-A8FDDE389A65}"/>
+                <a16:creationId xmlns:a16="http://schemas.microsoft.com/office/drawing/2014/main" xmlns="" id="{670F2189-02D2-4E0B-94C8-A8FDDE389A65}"/>
               </a:ext>
             </a:extLst>
           </p:cNvPr>
@@ -5851,145 +5855,6 @@
     <p:extLst>
       <p:ext uri="{BB962C8B-B14F-4D97-AF65-F5344CB8AC3E}">
         <p14:creationId xmlns:p14="http://schemas.microsoft.com/office/powerpoint/2010/main" val="1343961280"/>
-      </p:ext>
-    </p:extLst>
-  </p:cSld>
-  <p:clrMapOvr>
-    <a:masterClrMapping/>
-  </p:clrMapOvr>
-</p:sld>
-</file>
-
-<file path=ppt/slides/slide5.xml><?xml version="1.0" encoding="utf-8"?>
-<p:sld xmlns:a="http://schemas.openxmlformats.org/drawingml/2006/main" xmlns:r="http://schemas.openxmlformats.org/officeDocument/2006/relationships" xmlns:p="http://schemas.openxmlformats.org/presentationml/2006/main">
-  <p:cSld>
-    <p:spTree>
-      <p:nvGrpSpPr>
-        <p:cNvPr id="1" name=""/>
-        <p:cNvGrpSpPr/>
-        <p:nvPr/>
-      </p:nvGrpSpPr>
-      <p:grpSpPr>
-        <a:xfrm>
-          <a:off x="0" y="0"/>
-          <a:ext cx="0" cy="0"/>
-          <a:chOff x="0" y="0"/>
-          <a:chExt cx="0" cy="0"/>
-        </a:xfrm>
-      </p:grpSpPr>
-      <p:sp>
-        <p:nvSpPr>
-          <p:cNvPr id="2" name="Title 1">
-            <a:extLst>
-              <a:ext uri="{FF2B5EF4-FFF2-40B4-BE49-F238E27FC236}">
-                <a16:creationId xmlns:a16="http://schemas.microsoft.com/office/drawing/2014/main" id="{B37380D2-5E6F-44C5-89D4-165714542FA1}"/>
-              </a:ext>
-            </a:extLst>
-          </p:cNvPr>
-          <p:cNvSpPr>
-            <a:spLocks noGrp="1"/>
-          </p:cNvSpPr>
-          <p:nvPr>
-            <p:ph type="title"/>
-          </p:nvPr>
-        </p:nvSpPr>
-        <p:spPr/>
-        <p:txBody>
-          <a:bodyPr/>
-          <a:lstStyle/>
-          <a:p>
-            <a:r>
-              <a:rPr lang="en-IN" dirty="0"/>
-              <a:t>PL / SQL</a:t>
-            </a:r>
-          </a:p>
-        </p:txBody>
-      </p:sp>
-      <p:sp>
-        <p:nvSpPr>
-          <p:cNvPr id="3" name="Content Placeholder 2">
-            <a:extLst>
-              <a:ext uri="{FF2B5EF4-FFF2-40B4-BE49-F238E27FC236}">
-                <a16:creationId xmlns:a16="http://schemas.microsoft.com/office/drawing/2014/main" id="{267A48E9-DEF3-4E16-BECD-D5BFAD719878}"/>
-              </a:ext>
-            </a:extLst>
-          </p:cNvPr>
-          <p:cNvSpPr>
-            <a:spLocks noGrp="1"/>
-          </p:cNvSpPr>
-          <p:nvPr>
-            <p:ph idx="1"/>
-          </p:nvPr>
-        </p:nvSpPr>
-        <p:spPr>
-          <a:xfrm>
-            <a:off x="838200" y="1825625"/>
-            <a:ext cx="11034932" cy="4351338"/>
-          </a:xfrm>
-        </p:spPr>
-        <p:txBody>
-          <a:bodyPr/>
-          <a:lstStyle/>
-          <a:p>
-            <a:pPr algn="just"/>
-            <a:r>
-              <a:rPr lang="en-IN" dirty="0"/>
-              <a:t>It is a development tool</a:t>
-            </a:r>
-          </a:p>
-          <a:p>
-            <a:pPr algn="just"/>
-            <a:r>
-              <a:rPr lang="en-IN" dirty="0"/>
-              <a:t>Supports SQL manipulation and also provide facilities of condition checking, branching and looping</a:t>
-            </a:r>
-          </a:p>
-          <a:p>
-            <a:pPr algn="just"/>
-            <a:r>
-              <a:rPr lang="en-IN" dirty="0"/>
-              <a:t>Entire PL/SQL block is sent all in one to the Oracle engine for execution</a:t>
-            </a:r>
-          </a:p>
-          <a:p>
-            <a:pPr algn="just"/>
-            <a:r>
-              <a:rPr lang="en-IN" dirty="0"/>
-              <a:t>It permits error handling</a:t>
-            </a:r>
-          </a:p>
-          <a:p>
-            <a:pPr algn="just"/>
-            <a:r>
-              <a:rPr lang="en-IN" dirty="0"/>
-              <a:t>Variables can be declared and values can be stored inside that variable using user input as well as from SQL statement</a:t>
-            </a:r>
-          </a:p>
-          <a:p>
-            <a:pPr algn="just"/>
-            <a:r>
-              <a:rPr lang="en-IN" dirty="0"/>
-              <a:t>Applications written in PLSQL are portable to any computer h/w and s/w</a:t>
-            </a:r>
-          </a:p>
-          <a:p>
-            <a:pPr algn="just"/>
-            <a:r>
-              <a:rPr lang="en-IN" dirty="0"/>
-              <a:t>PL/SQL engine resides inside the </a:t>
-            </a:r>
-            <a:r>
-              <a:rPr lang="en-IN"/>
-              <a:t>oracle engine</a:t>
-            </a:r>
-            <a:endParaRPr lang="en-IN" dirty="0"/>
-          </a:p>
-        </p:txBody>
-      </p:sp>
-    </p:spTree>
-    <p:extLst>
-      <p:ext uri="{BB962C8B-B14F-4D97-AF65-F5344CB8AC3E}">
-        <p14:creationId xmlns:p14="http://schemas.microsoft.com/office/powerpoint/2010/main" val="3080492549"/>
       </p:ext>
     </p:extLst>
   </p:cSld>
